--- a/설계서.pptx
+++ b/설계서.pptx
@@ -216,7 +216,7 @@
           <a:p>
             <a:fld id="{8DBFF32E-A26D-429E-B1A2-9D0633C064F1}" type="datetimeFigureOut">
               <a:rPr lang="ko-KR" altLang="en-US" smtClean="0"/>
-              <a:t>2024-10-27</a:t>
+              <a:t>2024-10-28</a:t>
             </a:fld>
             <a:endParaRPr lang="ko-KR" altLang="en-US"/>
           </a:p>
@@ -612,7 +612,7 @@
           <a:p>
             <a:fld id="{C7351A05-FE79-4763-A84F-D4FE701A9E82}" type="datetimeFigureOut">
               <a:rPr lang="ko-KR" altLang="en-US" smtClean="0"/>
-              <a:t>2024-10-27</a:t>
+              <a:t>2024-10-28</a:t>
             </a:fld>
             <a:endParaRPr lang="ko-KR" altLang="en-US"/>
           </a:p>
@@ -780,7 +780,7 @@
           <a:p>
             <a:fld id="{C7351A05-FE79-4763-A84F-D4FE701A9E82}" type="datetimeFigureOut">
               <a:rPr lang="ko-KR" altLang="en-US" smtClean="0"/>
-              <a:t>2024-10-27</a:t>
+              <a:t>2024-10-28</a:t>
             </a:fld>
             <a:endParaRPr lang="ko-KR" altLang="en-US"/>
           </a:p>
@@ -958,7 +958,7 @@
           <a:p>
             <a:fld id="{C7351A05-FE79-4763-A84F-D4FE701A9E82}" type="datetimeFigureOut">
               <a:rPr lang="ko-KR" altLang="en-US" smtClean="0"/>
-              <a:t>2024-10-27</a:t>
+              <a:t>2024-10-28</a:t>
             </a:fld>
             <a:endParaRPr lang="ko-KR" altLang="en-US"/>
           </a:p>
@@ -1126,7 +1126,7 @@
           <a:p>
             <a:fld id="{C7351A05-FE79-4763-A84F-D4FE701A9E82}" type="datetimeFigureOut">
               <a:rPr lang="ko-KR" altLang="en-US" smtClean="0"/>
-              <a:t>2024-10-27</a:t>
+              <a:t>2024-10-28</a:t>
             </a:fld>
             <a:endParaRPr lang="ko-KR" altLang="en-US"/>
           </a:p>
@@ -1371,7 +1371,7 @@
           <a:p>
             <a:fld id="{C7351A05-FE79-4763-A84F-D4FE701A9E82}" type="datetimeFigureOut">
               <a:rPr lang="ko-KR" altLang="en-US" smtClean="0"/>
-              <a:t>2024-10-27</a:t>
+              <a:t>2024-10-28</a:t>
             </a:fld>
             <a:endParaRPr lang="ko-KR" altLang="en-US"/>
           </a:p>
@@ -1600,7 +1600,7 @@
           <a:p>
             <a:fld id="{C7351A05-FE79-4763-A84F-D4FE701A9E82}" type="datetimeFigureOut">
               <a:rPr lang="ko-KR" altLang="en-US" smtClean="0"/>
-              <a:t>2024-10-27</a:t>
+              <a:t>2024-10-28</a:t>
             </a:fld>
             <a:endParaRPr lang="ko-KR" altLang="en-US"/>
           </a:p>
@@ -1964,7 +1964,7 @@
           <a:p>
             <a:fld id="{C7351A05-FE79-4763-A84F-D4FE701A9E82}" type="datetimeFigureOut">
               <a:rPr lang="ko-KR" altLang="en-US" smtClean="0"/>
-              <a:t>2024-10-27</a:t>
+              <a:t>2024-10-28</a:t>
             </a:fld>
             <a:endParaRPr lang="ko-KR" altLang="en-US"/>
           </a:p>
@@ -2081,7 +2081,7 @@
           <a:p>
             <a:fld id="{C7351A05-FE79-4763-A84F-D4FE701A9E82}" type="datetimeFigureOut">
               <a:rPr lang="ko-KR" altLang="en-US" smtClean="0"/>
-              <a:t>2024-10-27</a:t>
+              <a:t>2024-10-28</a:t>
             </a:fld>
             <a:endParaRPr lang="ko-KR" altLang="en-US"/>
           </a:p>
@@ -2176,7 +2176,7 @@
           <a:p>
             <a:fld id="{C7351A05-FE79-4763-A84F-D4FE701A9E82}" type="datetimeFigureOut">
               <a:rPr lang="ko-KR" altLang="en-US" smtClean="0"/>
-              <a:t>2024-10-27</a:t>
+              <a:t>2024-10-28</a:t>
             </a:fld>
             <a:endParaRPr lang="ko-KR" altLang="en-US"/>
           </a:p>
@@ -2451,7 +2451,7 @@
           <a:p>
             <a:fld id="{C7351A05-FE79-4763-A84F-D4FE701A9E82}" type="datetimeFigureOut">
               <a:rPr lang="ko-KR" altLang="en-US" smtClean="0"/>
-              <a:t>2024-10-27</a:t>
+              <a:t>2024-10-28</a:t>
             </a:fld>
             <a:endParaRPr lang="ko-KR" altLang="en-US"/>
           </a:p>
@@ -2703,7 +2703,7 @@
           <a:p>
             <a:fld id="{C7351A05-FE79-4763-A84F-D4FE701A9E82}" type="datetimeFigureOut">
               <a:rPr lang="ko-KR" altLang="en-US" smtClean="0"/>
-              <a:t>2024-10-27</a:t>
+              <a:t>2024-10-28</a:t>
             </a:fld>
             <a:endParaRPr lang="ko-KR" altLang="en-US"/>
           </a:p>
@@ -2914,7 +2914,7 @@
           <a:p>
             <a:fld id="{C7351A05-FE79-4763-A84F-D4FE701A9E82}" type="datetimeFigureOut">
               <a:rPr lang="ko-KR" altLang="en-US" smtClean="0"/>
-              <a:t>2024-10-27</a:t>
+              <a:t>2024-10-28</a:t>
             </a:fld>
             <a:endParaRPr lang="ko-KR" altLang="en-US"/>
           </a:p>
@@ -11931,10 +11931,10 @@
       </p:sp>
       <p:pic>
         <p:nvPicPr>
-          <p:cNvPr id="5" name="그림 4">
+          <p:cNvPr id="4" name="그림 3">
             <a:extLst>
               <a:ext uri="{FF2B5EF4-FFF2-40B4-BE49-F238E27FC236}">
-                <a16:creationId xmlns:a16="http://schemas.microsoft.com/office/drawing/2014/main" id="{522B43B1-AC92-7A8A-A7F5-75323DBDD342}"/>
+                <a16:creationId xmlns:a16="http://schemas.microsoft.com/office/drawing/2014/main" id="{1967370F-990F-27D1-68A3-4334F4A0E925}"/>
               </a:ext>
             </a:extLst>
           </p:cNvPr>
@@ -11957,8 +11957,8 @@
         </p:blipFill>
         <p:spPr>
           <a:xfrm>
-            <a:off x="4974766" y="1863543"/>
-            <a:ext cx="5425776" cy="4298232"/>
+            <a:off x="5110268" y="1895626"/>
+            <a:ext cx="4917971" cy="4234066"/>
           </a:xfrm>
           <a:prstGeom prst="rect">
             <a:avLst/>

--- a/설계서.pptx
+++ b/설계서.pptx
@@ -134,6 +134,51 @@
 </p:presentation>
 </file>
 
+<file path=ppt/revisionInfo.xml><?xml version="1.0" encoding="utf-8"?>
+<p1510:revInfo xmlns:a="http://schemas.openxmlformats.org/drawingml/2006/main" xmlns:r="http://schemas.openxmlformats.org/officeDocument/2006/relationships" xmlns:p1510="http://schemas.microsoft.com/office/powerpoint/2015/10/main">
+  <p1510:revLst>
+    <p1510:client id="{878F61D8-B335-4EB8-A471-C86BCC952250}" v="1" dt="2024-11-14T20:29:42.058"/>
+  </p1510:revLst>
+</p1510:revInfo>
+</file>
+
+<file path=ppt/changesInfos/changesInfo1.xml><?xml version="1.0" encoding="utf-8"?>
+<pc:chgInfo xmlns:a="http://schemas.openxmlformats.org/drawingml/2006/main" xmlns:r="http://schemas.openxmlformats.org/officeDocument/2006/relationships" xmlns:ac="http://schemas.microsoft.com/office/drawing/2013/main/command" xmlns:pc="http://schemas.microsoft.com/office/powerpoint/2013/main/command">
+  <pc:docChgLst>
+    <pc:chgData name="상욱 이" userId="25c41c118c829273" providerId="LiveId" clId="{878F61D8-B335-4EB8-A471-C86BCC952250}"/>
+    <pc:docChg chg="custSel modSld">
+      <pc:chgData name="상욱 이" userId="25c41c118c829273" providerId="LiveId" clId="{878F61D8-B335-4EB8-A471-C86BCC952250}" dt="2024-11-14T20:29:46.270" v="3" actId="1076"/>
+      <pc:docMkLst>
+        <pc:docMk/>
+      </pc:docMkLst>
+      <pc:sldChg chg="addSp delSp modSp mod">
+        <pc:chgData name="상욱 이" userId="25c41c118c829273" providerId="LiveId" clId="{878F61D8-B335-4EB8-A471-C86BCC952250}" dt="2024-11-14T20:29:46.270" v="3" actId="1076"/>
+        <pc:sldMkLst>
+          <pc:docMk/>
+          <pc:sldMk cId="2913420112" sldId="652"/>
+        </pc:sldMkLst>
+        <pc:picChg chg="del">
+          <ac:chgData name="상욱 이" userId="25c41c118c829273" providerId="LiveId" clId="{878F61D8-B335-4EB8-A471-C86BCC952250}" dt="2024-11-14T20:29:41.806" v="0" actId="478"/>
+          <ac:picMkLst>
+            <pc:docMk/>
+            <pc:sldMk cId="2913420112" sldId="652"/>
+            <ac:picMk id="4" creationId="{1967370F-990F-27D1-68A3-4334F4A0E925}"/>
+          </ac:picMkLst>
+        </pc:picChg>
+        <pc:picChg chg="add mod">
+          <ac:chgData name="상욱 이" userId="25c41c118c829273" providerId="LiveId" clId="{878F61D8-B335-4EB8-A471-C86BCC952250}" dt="2024-11-14T20:29:46.270" v="3" actId="1076"/>
+          <ac:picMkLst>
+            <pc:docMk/>
+            <pc:sldMk cId="2913420112" sldId="652"/>
+            <ac:picMk id="5" creationId="{8C6387D1-7131-3043-D3B9-F46985A782E1}"/>
+          </ac:picMkLst>
+        </pc:picChg>
+      </pc:sldChg>
+    </pc:docChg>
+  </pc:docChgLst>
+</pc:chgInfo>
+</file>
+
 <file path=ppt/notesMasters/notesMaster1.xml><?xml version="1.0" encoding="utf-8"?>
 <p:notesMaster xmlns:a="http://schemas.openxmlformats.org/drawingml/2006/main" xmlns:r="http://schemas.openxmlformats.org/officeDocument/2006/relationships" xmlns:p="http://schemas.openxmlformats.org/presentationml/2006/main">
   <p:cSld>
@@ -216,7 +261,7 @@
           <a:p>
             <a:fld id="{8DBFF32E-A26D-429E-B1A2-9D0633C064F1}" type="datetimeFigureOut">
               <a:rPr lang="ko-KR" altLang="en-US" smtClean="0"/>
-              <a:t>2024-10-28</a:t>
+              <a:t>2024-11-15</a:t>
             </a:fld>
             <a:endParaRPr lang="ko-KR" altLang="en-US"/>
           </a:p>
@@ -612,7 +657,7 @@
           <a:p>
             <a:fld id="{C7351A05-FE79-4763-A84F-D4FE701A9E82}" type="datetimeFigureOut">
               <a:rPr lang="ko-KR" altLang="en-US" smtClean="0"/>
-              <a:t>2024-10-28</a:t>
+              <a:t>2024-11-15</a:t>
             </a:fld>
             <a:endParaRPr lang="ko-KR" altLang="en-US"/>
           </a:p>
@@ -780,7 +825,7 @@
           <a:p>
             <a:fld id="{C7351A05-FE79-4763-A84F-D4FE701A9E82}" type="datetimeFigureOut">
               <a:rPr lang="ko-KR" altLang="en-US" smtClean="0"/>
-              <a:t>2024-10-28</a:t>
+              <a:t>2024-11-15</a:t>
             </a:fld>
             <a:endParaRPr lang="ko-KR" altLang="en-US"/>
           </a:p>
@@ -958,7 +1003,7 @@
           <a:p>
             <a:fld id="{C7351A05-FE79-4763-A84F-D4FE701A9E82}" type="datetimeFigureOut">
               <a:rPr lang="ko-KR" altLang="en-US" smtClean="0"/>
-              <a:t>2024-10-28</a:t>
+              <a:t>2024-11-15</a:t>
             </a:fld>
             <a:endParaRPr lang="ko-KR" altLang="en-US"/>
           </a:p>
@@ -1126,7 +1171,7 @@
           <a:p>
             <a:fld id="{C7351A05-FE79-4763-A84F-D4FE701A9E82}" type="datetimeFigureOut">
               <a:rPr lang="ko-KR" altLang="en-US" smtClean="0"/>
-              <a:t>2024-10-28</a:t>
+              <a:t>2024-11-15</a:t>
             </a:fld>
             <a:endParaRPr lang="ko-KR" altLang="en-US"/>
           </a:p>
@@ -1371,7 +1416,7 @@
           <a:p>
             <a:fld id="{C7351A05-FE79-4763-A84F-D4FE701A9E82}" type="datetimeFigureOut">
               <a:rPr lang="ko-KR" altLang="en-US" smtClean="0"/>
-              <a:t>2024-10-28</a:t>
+              <a:t>2024-11-15</a:t>
             </a:fld>
             <a:endParaRPr lang="ko-KR" altLang="en-US"/>
           </a:p>
@@ -1600,7 +1645,7 @@
           <a:p>
             <a:fld id="{C7351A05-FE79-4763-A84F-D4FE701A9E82}" type="datetimeFigureOut">
               <a:rPr lang="ko-KR" altLang="en-US" smtClean="0"/>
-              <a:t>2024-10-28</a:t>
+              <a:t>2024-11-15</a:t>
             </a:fld>
             <a:endParaRPr lang="ko-KR" altLang="en-US"/>
           </a:p>
@@ -1964,7 +2009,7 @@
           <a:p>
             <a:fld id="{C7351A05-FE79-4763-A84F-D4FE701A9E82}" type="datetimeFigureOut">
               <a:rPr lang="ko-KR" altLang="en-US" smtClean="0"/>
-              <a:t>2024-10-28</a:t>
+              <a:t>2024-11-15</a:t>
             </a:fld>
             <a:endParaRPr lang="ko-KR" altLang="en-US"/>
           </a:p>
@@ -2081,7 +2126,7 @@
           <a:p>
             <a:fld id="{C7351A05-FE79-4763-A84F-D4FE701A9E82}" type="datetimeFigureOut">
               <a:rPr lang="ko-KR" altLang="en-US" smtClean="0"/>
-              <a:t>2024-10-28</a:t>
+              <a:t>2024-11-15</a:t>
             </a:fld>
             <a:endParaRPr lang="ko-KR" altLang="en-US"/>
           </a:p>
@@ -2176,7 +2221,7 @@
           <a:p>
             <a:fld id="{C7351A05-FE79-4763-A84F-D4FE701A9E82}" type="datetimeFigureOut">
               <a:rPr lang="ko-KR" altLang="en-US" smtClean="0"/>
-              <a:t>2024-10-28</a:t>
+              <a:t>2024-11-15</a:t>
             </a:fld>
             <a:endParaRPr lang="ko-KR" altLang="en-US"/>
           </a:p>
@@ -2451,7 +2496,7 @@
           <a:p>
             <a:fld id="{C7351A05-FE79-4763-A84F-D4FE701A9E82}" type="datetimeFigureOut">
               <a:rPr lang="ko-KR" altLang="en-US" smtClean="0"/>
-              <a:t>2024-10-28</a:t>
+              <a:t>2024-11-15</a:t>
             </a:fld>
             <a:endParaRPr lang="ko-KR" altLang="en-US"/>
           </a:p>
@@ -2703,7 +2748,7 @@
           <a:p>
             <a:fld id="{C7351A05-FE79-4763-A84F-D4FE701A9E82}" type="datetimeFigureOut">
               <a:rPr lang="ko-KR" altLang="en-US" smtClean="0"/>
-              <a:t>2024-10-28</a:t>
+              <a:t>2024-11-15</a:t>
             </a:fld>
             <a:endParaRPr lang="ko-KR" altLang="en-US"/>
           </a:p>
@@ -2914,7 +2959,7 @@
           <a:p>
             <a:fld id="{C7351A05-FE79-4763-A84F-D4FE701A9E82}" type="datetimeFigureOut">
               <a:rPr lang="ko-KR" altLang="en-US" smtClean="0"/>
-              <a:t>2024-10-28</a:t>
+              <a:t>2024-11-15</a:t>
             </a:fld>
             <a:endParaRPr lang="ko-KR" altLang="en-US"/>
           </a:p>
@@ -11931,42 +11976,6 @@
       </p:sp>
       <p:pic>
         <p:nvPicPr>
-          <p:cNvPr id="4" name="그림 3">
-            <a:extLst>
-              <a:ext uri="{FF2B5EF4-FFF2-40B4-BE49-F238E27FC236}">
-                <a16:creationId xmlns:a16="http://schemas.microsoft.com/office/drawing/2014/main" id="{1967370F-990F-27D1-68A3-4334F4A0E925}"/>
-              </a:ext>
-            </a:extLst>
-          </p:cNvPr>
-          <p:cNvPicPr>
-            <a:picLocks noChangeAspect="1"/>
-          </p:cNvPicPr>
-          <p:nvPr/>
-        </p:nvPicPr>
-        <p:blipFill>
-          <a:blip r:embed="rId2">
-            <a:extLst>
-              <a:ext uri="{28A0092B-C50C-407E-A947-70E740481C1C}">
-                <a14:useLocalDpi xmlns:a14="http://schemas.microsoft.com/office/drawing/2010/main" val="0"/>
-              </a:ext>
-            </a:extLst>
-          </a:blip>
-          <a:stretch>
-            <a:fillRect/>
-          </a:stretch>
-        </p:blipFill>
-        <p:spPr>
-          <a:xfrm>
-            <a:off x="5110268" y="1895626"/>
-            <a:ext cx="4917971" cy="4234066"/>
-          </a:xfrm>
-          <a:prstGeom prst="rect">
-            <a:avLst/>
-          </a:prstGeom>
-        </p:spPr>
-      </p:pic>
-      <p:pic>
-        <p:nvPicPr>
           <p:cNvPr id="1042" name="Picture 18" descr="What are SQLite and Room in.. | Medium">
             <a:extLst>
               <a:ext uri="{FF2B5EF4-FFF2-40B4-BE49-F238E27FC236}">
@@ -11980,7 +11989,7 @@
           <p:nvPr/>
         </p:nvPicPr>
         <p:blipFill rotWithShape="1">
-          <a:blip r:embed="rId3">
+          <a:blip r:embed="rId2">
             <a:extLst>
               <a:ext uri="{28A0092B-C50C-407E-A947-70E740481C1C}">
                 <a14:useLocalDpi xmlns:a14="http://schemas.microsoft.com/office/drawing/2010/main" val="0"/>
@@ -12027,6 +12036,42 @@
               <a:srgbClr val="C0C0C0"/>
             </a:contourClr>
           </a:sp3d>
+        </p:spPr>
+      </p:pic>
+      <p:pic>
+        <p:nvPicPr>
+          <p:cNvPr id="5" name="그림 4">
+            <a:extLst>
+              <a:ext uri="{FF2B5EF4-FFF2-40B4-BE49-F238E27FC236}">
+                <a16:creationId xmlns:a16="http://schemas.microsoft.com/office/drawing/2014/main" id="{8C6387D1-7131-3043-D3B9-F46985A782E1}"/>
+              </a:ext>
+            </a:extLst>
+          </p:cNvPr>
+          <p:cNvPicPr>
+            <a:picLocks noChangeAspect="1"/>
+          </p:cNvPicPr>
+          <p:nvPr/>
+        </p:nvPicPr>
+        <p:blipFill>
+          <a:blip r:embed="rId3">
+            <a:extLst>
+              <a:ext uri="{28A0092B-C50C-407E-A947-70E740481C1C}">
+                <a14:useLocalDpi xmlns:a14="http://schemas.microsoft.com/office/drawing/2010/main" val="0"/>
+              </a:ext>
+            </a:extLst>
+          </a:blip>
+          <a:stretch>
+            <a:fillRect/>
+          </a:stretch>
+        </p:blipFill>
+        <p:spPr>
+          <a:xfrm>
+            <a:off x="5988441" y="1897401"/>
+            <a:ext cx="4478520" cy="4065656"/>
+          </a:xfrm>
+          <a:prstGeom prst="rect">
+            <a:avLst/>
+          </a:prstGeom>
         </p:spPr>
       </p:pic>
     </p:spTree>
